--- a/Het onderzoekmodel.pptx
+++ b/Het onderzoekmodel.pptx
@@ -3323,60 +3323,217 @@
       </p:grpSpPr>
       <p:sp>
         <p:nvSpPr>
-          <p:cNvPr id="2" name="Titel 1">
-            <a:extLst>
-              <a:ext uri="{FF2B5EF4-FFF2-40B4-BE49-F238E27FC236}">
-                <a16:creationId xmlns:a16="http://schemas.microsoft.com/office/drawing/2014/main" id="{A273D0D1-C2DF-89D1-88EE-6D3B20F8E865}"/>
-              </a:ext>
-            </a:extLst>
-          </p:cNvPr>
-          <p:cNvSpPr>
-            <a:spLocks noGrp="1"/>
-          </p:cNvSpPr>
-          <p:nvPr>
-            <p:ph type="ctrTitle"/>
-          </p:nvPr>
+          <p:cNvPr id="197" name="Rechthoek 196">
+            <a:extLst>
+              <a:ext uri="{FF2B5EF4-FFF2-40B4-BE49-F238E27FC236}">
+                <a16:creationId xmlns:a16="http://schemas.microsoft.com/office/drawing/2014/main" id="{0612AFB7-F393-7FBF-FCF0-87E82A921335}"/>
+              </a:ext>
+            </a:extLst>
+          </p:cNvPr>
+          <p:cNvSpPr/>
+          <p:nvPr/>
         </p:nvSpPr>
         <p:spPr>
           <a:xfrm>
-            <a:off x="581407" y="754954"/>
-            <a:ext cx="2911367" cy="399393"/>
-          </a:xfrm>
-        </p:spPr>
-        <p:txBody>
-          <a:bodyPr>
-            <a:normAutofit/>
-          </a:bodyPr>
-          <a:lstStyle/>
-          <a:p>
-            <a:r>
-              <a:rPr lang="nl-NL" sz="2000" b="1" dirty="0"/>
-              <a:t>Onderzoekmodel</a:t>
-            </a:r>
-          </a:p>
-        </p:txBody>
-      </p:sp>
-      <p:sp>
-        <p:nvSpPr>
-          <p:cNvPr id="4" name="Rechthoek 3">
-            <a:extLst>
-              <a:ext uri="{FF2B5EF4-FFF2-40B4-BE49-F238E27FC236}">
-                <a16:creationId xmlns:a16="http://schemas.microsoft.com/office/drawing/2014/main" id="{9EBF7B8F-CA64-18BC-C7A7-B4BC7ABF4BE0}"/>
-              </a:ext>
-            </a:extLst>
-          </p:cNvPr>
-          <p:cNvSpPr/>
-          <p:nvPr/>
-        </p:nvSpPr>
-        <p:spPr>
-          <a:xfrm>
-            <a:off x="714703" y="2403161"/>
-            <a:ext cx="2975358" cy="399393"/>
+            <a:off x="9510274" y="1526648"/>
+            <a:ext cx="1892411" cy="4028661"/>
           </a:xfrm>
           <a:prstGeom prst="rect">
             <a:avLst/>
           </a:prstGeom>
-          <a:noFill/>
+          <a:solidFill>
+            <a:schemeClr val="bg1">
+              <a:lumMod val="95000"/>
+            </a:schemeClr>
+          </a:solidFill>
+        </p:spPr>
+        <p:style>
+          <a:lnRef idx="2">
+            <a:schemeClr val="accent1">
+              <a:shade val="15000"/>
+            </a:schemeClr>
+          </a:lnRef>
+          <a:fillRef idx="1">
+            <a:schemeClr val="accent1"/>
+          </a:fillRef>
+          <a:effectRef idx="0">
+            <a:schemeClr val="accent1"/>
+          </a:effectRef>
+          <a:fontRef idx="minor">
+            <a:schemeClr val="lt1"/>
+          </a:fontRef>
+        </p:style>
+        <p:txBody>
+          <a:bodyPr rtlCol="0" anchor="ctr"/>
+          <a:lstStyle/>
+          <a:p>
+            <a:pPr algn="ctr"/>
+            <a:endParaRPr lang="nl-NL" dirty="0"/>
+          </a:p>
+        </p:txBody>
+      </p:sp>
+      <p:sp>
+        <p:nvSpPr>
+          <p:cNvPr id="195" name="Rechthoek 194">
+            <a:extLst>
+              <a:ext uri="{FF2B5EF4-FFF2-40B4-BE49-F238E27FC236}">
+                <a16:creationId xmlns:a16="http://schemas.microsoft.com/office/drawing/2014/main" id="{B86B74D8-B6EA-1A9B-220F-251E9A502BE3}"/>
+              </a:ext>
+            </a:extLst>
+          </p:cNvPr>
+          <p:cNvSpPr/>
+          <p:nvPr/>
+        </p:nvSpPr>
+        <p:spPr>
+          <a:xfrm>
+            <a:off x="5971942" y="1530625"/>
+            <a:ext cx="2878373" cy="4028661"/>
+          </a:xfrm>
+          <a:prstGeom prst="rect">
+            <a:avLst/>
+          </a:prstGeom>
+          <a:solidFill>
+            <a:schemeClr val="bg1">
+              <a:lumMod val="95000"/>
+            </a:schemeClr>
+          </a:solidFill>
+        </p:spPr>
+        <p:style>
+          <a:lnRef idx="2">
+            <a:schemeClr val="accent1">
+              <a:shade val="15000"/>
+            </a:schemeClr>
+          </a:lnRef>
+          <a:fillRef idx="1">
+            <a:schemeClr val="accent1"/>
+          </a:fillRef>
+          <a:effectRef idx="0">
+            <a:schemeClr val="accent1"/>
+          </a:effectRef>
+          <a:fontRef idx="minor">
+            <a:schemeClr val="lt1"/>
+          </a:fontRef>
+        </p:style>
+        <p:txBody>
+          <a:bodyPr rtlCol="0" anchor="ctr"/>
+          <a:lstStyle/>
+          <a:p>
+            <a:pPr algn="ctr"/>
+            <a:endParaRPr lang="nl-NL" dirty="0"/>
+          </a:p>
+        </p:txBody>
+      </p:sp>
+      <p:sp>
+        <p:nvSpPr>
+          <p:cNvPr id="160" name="Rechthoek 159">
+            <a:extLst>
+              <a:ext uri="{FF2B5EF4-FFF2-40B4-BE49-F238E27FC236}">
+                <a16:creationId xmlns:a16="http://schemas.microsoft.com/office/drawing/2014/main" id="{992244FD-36C3-FE84-DD86-1D1DF3F40DE4}"/>
+              </a:ext>
+            </a:extLst>
+          </p:cNvPr>
+          <p:cNvSpPr/>
+          <p:nvPr/>
+        </p:nvSpPr>
+        <p:spPr>
+          <a:xfrm>
+            <a:off x="649495" y="1530626"/>
+            <a:ext cx="3902765" cy="4028661"/>
+          </a:xfrm>
+          <a:prstGeom prst="rect">
+            <a:avLst/>
+          </a:prstGeom>
+          <a:solidFill>
+            <a:schemeClr val="bg1">
+              <a:lumMod val="95000"/>
+            </a:schemeClr>
+          </a:solidFill>
+        </p:spPr>
+        <p:style>
+          <a:lnRef idx="2">
+            <a:schemeClr val="accent1">
+              <a:shade val="15000"/>
+            </a:schemeClr>
+          </a:lnRef>
+          <a:fillRef idx="1">
+            <a:schemeClr val="accent1"/>
+          </a:fillRef>
+          <a:effectRef idx="0">
+            <a:schemeClr val="accent1"/>
+          </a:effectRef>
+          <a:fontRef idx="minor">
+            <a:schemeClr val="lt1"/>
+          </a:fontRef>
+        </p:style>
+        <p:txBody>
+          <a:bodyPr rtlCol="0" anchor="ctr"/>
+          <a:lstStyle/>
+          <a:p>
+            <a:pPr algn="ctr"/>
+            <a:endParaRPr lang="nl-NL" dirty="0"/>
+          </a:p>
+        </p:txBody>
+      </p:sp>
+      <p:sp>
+        <p:nvSpPr>
+          <p:cNvPr id="2" name="Titel 1">
+            <a:extLst>
+              <a:ext uri="{FF2B5EF4-FFF2-40B4-BE49-F238E27FC236}">
+                <a16:creationId xmlns:a16="http://schemas.microsoft.com/office/drawing/2014/main" id="{A273D0D1-C2DF-89D1-88EE-6D3B20F8E865}"/>
+              </a:ext>
+            </a:extLst>
+          </p:cNvPr>
+          <p:cNvSpPr>
+            <a:spLocks noGrp="1"/>
+          </p:cNvSpPr>
+          <p:nvPr>
+            <p:ph type="ctrTitle"/>
+          </p:nvPr>
+        </p:nvSpPr>
+        <p:spPr>
+          <a:xfrm>
+            <a:off x="649495" y="692632"/>
+            <a:ext cx="2911367" cy="399393"/>
+          </a:xfrm>
+        </p:spPr>
+        <p:txBody>
+          <a:bodyPr>
+            <a:normAutofit/>
+          </a:bodyPr>
+          <a:lstStyle/>
+          <a:p>
+            <a:r>
+              <a:rPr lang="nl-NL" sz="2000" b="1" dirty="0"/>
+              <a:t>Onderzoekmodel</a:t>
+            </a:r>
+          </a:p>
+        </p:txBody>
+      </p:sp>
+      <p:sp>
+        <p:nvSpPr>
+          <p:cNvPr id="4" name="Rechthoek 3">
+            <a:extLst>
+              <a:ext uri="{FF2B5EF4-FFF2-40B4-BE49-F238E27FC236}">
+                <a16:creationId xmlns:a16="http://schemas.microsoft.com/office/drawing/2014/main" id="{9EBF7B8F-CA64-18BC-C7A7-B4BC7ABF4BE0}"/>
+              </a:ext>
+            </a:extLst>
+          </p:cNvPr>
+          <p:cNvSpPr/>
+          <p:nvPr/>
+        </p:nvSpPr>
+        <p:spPr>
+          <a:xfrm>
+            <a:off x="859788" y="2161706"/>
+            <a:ext cx="3525994" cy="505114"/>
+          </a:xfrm>
+          <a:prstGeom prst="rect">
+            <a:avLst/>
+          </a:prstGeom>
+          <a:solidFill>
+            <a:schemeClr val="bg1">
+              <a:lumMod val="85000"/>
+            </a:schemeClr>
+          </a:solidFill>
           <a:ln>
             <a:solidFill>
               <a:schemeClr val="tx1"/>
@@ -3403,9 +3560,8 @@
           <a:bodyPr rtlCol="0" anchor="ctr"/>
           <a:lstStyle/>
           <a:p>
-            <a:pPr algn="ctr"/>
-            <a:r>
-              <a:rPr lang="nl-NL" sz="1000" b="0" dirty="0">
+            <a:r>
+              <a:rPr lang="nl-NL" sz="1000" b="1" dirty="0">
                 <a:solidFill>
                   <a:schemeClr val="tx1"/>
                 </a:solidFill>
@@ -3415,7 +3571,7 @@
               <a:t>Financieel </a:t>
             </a:r>
             <a:r>
-              <a:rPr lang="nl-NL" sz="1000" dirty="0">
+              <a:rPr lang="nl-NL" sz="1000" b="1" dirty="0">
                 <a:solidFill>
                   <a:schemeClr val="tx1"/>
                 </a:solidFill>
@@ -3424,7 +3580,7 @@
               <a:t>r</a:t>
             </a:r>
             <a:r>
-              <a:rPr lang="nl-NL" sz="1000" b="0" dirty="0">
+              <a:rPr lang="nl-NL" sz="1000" b="1" dirty="0">
                 <a:solidFill>
                   <a:schemeClr val="tx1"/>
                 </a:solidFill>
@@ -3434,7 +3590,7 @@
               <a:t>isico</a:t>
             </a:r>
             <a:r>
-              <a:rPr lang="nl-NL" sz="1000" dirty="0">
+              <a:rPr lang="nl-NL" sz="1000" b="1" dirty="0">
                 <a:solidFill>
                   <a:schemeClr val="tx1"/>
                 </a:solidFill>
@@ -3443,7 +3599,7 @@
               <a:t> h</a:t>
             </a:r>
             <a:r>
-              <a:rPr lang="nl-NL" sz="1000" b="0" dirty="0">
+              <a:rPr lang="nl-NL" sz="1000" b="1" dirty="0">
                 <a:solidFill>
                   <a:schemeClr val="tx1"/>
                 </a:solidFill>
@@ -3453,6 +3609,35 @@
               <a:t>ypotheekschuld</a:t>
             </a:r>
           </a:p>
+          <a:p>
+            <a:r>
+              <a:rPr lang="nl-NL" sz="1000" b="0" i="1" dirty="0">
+                <a:solidFill>
+                  <a:schemeClr val="tx1"/>
+                </a:solidFill>
+                <a:effectLst/>
+                <a:latin typeface="Menlo" panose="020B0609030804020204" pitchFamily="49" charset="0"/>
+              </a:rPr>
+              <a:t>Databron &amp; Extensie : Het CBS, .</a:t>
+            </a:r>
+            <a:r>
+              <a:rPr lang="nl-NL" sz="1000" b="0" i="1" dirty="0" err="1">
+                <a:solidFill>
+                  <a:schemeClr val="tx1"/>
+                </a:solidFill>
+                <a:effectLst/>
+                <a:latin typeface="Menlo" panose="020B0609030804020204" pitchFamily="49" charset="0"/>
+              </a:rPr>
+              <a:t>csv</a:t>
+            </a:r>
+            <a:endParaRPr lang="nl-NL" sz="1000" b="0" i="1" dirty="0">
+              <a:solidFill>
+                <a:schemeClr val="tx1"/>
+              </a:solidFill>
+              <a:effectLst/>
+              <a:latin typeface="Menlo" panose="020B0609030804020204" pitchFamily="49" charset="0"/>
+            </a:endParaRPr>
+          </a:p>
         </p:txBody>
       </p:sp>
       <p:sp>
@@ -3469,13 +3654,17 @@
         </p:nvSpPr>
         <p:spPr>
           <a:xfrm>
-            <a:off x="714701" y="3920317"/>
-            <a:ext cx="2975360" cy="399393"/>
+            <a:off x="847362" y="4037978"/>
+            <a:ext cx="3552498" cy="509840"/>
           </a:xfrm>
           <a:prstGeom prst="rect">
             <a:avLst/>
           </a:prstGeom>
-          <a:noFill/>
+          <a:solidFill>
+            <a:schemeClr val="bg1">
+              <a:lumMod val="85000"/>
+            </a:schemeClr>
+          </a:solidFill>
           <a:ln>
             <a:solidFill>
               <a:schemeClr val="tx1"/>
@@ -3502,9 +3691,8 @@
           <a:bodyPr rtlCol="0" anchor="ctr"/>
           <a:lstStyle/>
           <a:p>
-            <a:pPr algn="ctr"/>
-            <a:r>
-              <a:rPr lang="nl-NL" sz="1000" b="0" dirty="0">
+            <a:r>
+              <a:rPr lang="nl-NL" sz="1000" b="1" dirty="0">
                 <a:solidFill>
                   <a:schemeClr val="tx1"/>
                 </a:solidFill>
@@ -3514,6 +3702,18 @@
               <a:t>Verkoopprijzen over woningen</a:t>
             </a:r>
           </a:p>
+          <a:p>
+            <a:r>
+              <a:rPr lang="nl-NL" sz="1000" b="0" i="1" dirty="0">
+                <a:solidFill>
+                  <a:schemeClr val="tx1"/>
+                </a:solidFill>
+                <a:effectLst/>
+                <a:latin typeface="Menlo" panose="020B0609030804020204" pitchFamily="49" charset="0"/>
+              </a:rPr>
+              <a:t>Databron &amp; Extensie : Het CBS, API</a:t>
+            </a:r>
+          </a:p>
         </p:txBody>
       </p:sp>
       <p:sp>
@@ -3530,13 +3730,17 @@
         </p:nvSpPr>
         <p:spPr>
           <a:xfrm>
-            <a:off x="714702" y="2903947"/>
-            <a:ext cx="2975359" cy="399393"/>
+            <a:off x="870519" y="2794506"/>
+            <a:ext cx="3515263" cy="499836"/>
           </a:xfrm>
           <a:prstGeom prst="rect">
             <a:avLst/>
           </a:prstGeom>
-          <a:noFill/>
+          <a:solidFill>
+            <a:schemeClr val="bg1">
+              <a:lumMod val="85000"/>
+            </a:schemeClr>
+          </a:solidFill>
           <a:ln>
             <a:solidFill>
               <a:schemeClr val="tx1"/>
@@ -3563,9 +3767,8 @@
           <a:bodyPr rtlCol="0" anchor="ctr"/>
           <a:lstStyle/>
           <a:p>
-            <a:pPr algn="ctr"/>
-            <a:r>
-              <a:rPr lang="nl-NL" sz="1000" dirty="0">
+            <a:r>
+              <a:rPr lang="nl-NL" sz="1000" b="1" dirty="0">
                 <a:solidFill>
                   <a:schemeClr val="tx1"/>
                 </a:solidFill>
@@ -3574,7 +3777,7 @@
               <a:t>De w</a:t>
             </a:r>
             <a:r>
-              <a:rPr lang="nl-NL" sz="1000" b="0" dirty="0">
+              <a:rPr lang="nl-NL" sz="1000" b="1" dirty="0">
                 <a:solidFill>
                   <a:schemeClr val="tx1"/>
                 </a:solidFill>
@@ -3584,7 +3787,7 @@
               <a:t>oningwaarde per</a:t>
             </a:r>
             <a:r>
-              <a:rPr lang="nl-NL" sz="1000" dirty="0">
+              <a:rPr lang="nl-NL" sz="1000" b="1" dirty="0">
                 <a:solidFill>
                   <a:schemeClr val="tx1"/>
                 </a:solidFill>
@@ -3593,7 +3796,7 @@
               <a:t> p</a:t>
             </a:r>
             <a:r>
-              <a:rPr lang="nl-NL" sz="1000" b="0" dirty="0">
+              <a:rPr lang="nl-NL" sz="1000" b="1" dirty="0">
                 <a:solidFill>
                   <a:schemeClr val="tx1"/>
                 </a:solidFill>
@@ -3603,6 +3806,53 @@
               <a:t>rovincie</a:t>
             </a:r>
           </a:p>
+          <a:p>
+            <a:r>
+              <a:rPr lang="nl-NL" sz="1000" b="0" i="1" dirty="0">
+                <a:solidFill>
+                  <a:schemeClr val="tx1"/>
+                </a:solidFill>
+                <a:effectLst/>
+                <a:latin typeface="Menlo" panose="020B0609030804020204" pitchFamily="49" charset="0"/>
+              </a:rPr>
+              <a:t>Databron &amp; Extensie : </a:t>
+            </a:r>
+            <a:r>
+              <a:rPr lang="nl-NL" sz="1000" b="0" i="1" dirty="0" err="1">
+                <a:solidFill>
+                  <a:schemeClr val="tx1"/>
+                </a:solidFill>
+                <a:effectLst/>
+                <a:latin typeface="Menlo" panose="020B0609030804020204" pitchFamily="49" charset="0"/>
+              </a:rPr>
+              <a:t>allecijfers</a:t>
+            </a:r>
+            <a:r>
+              <a:rPr lang="nl-NL" sz="1000" i="1" dirty="0">
+                <a:solidFill>
+                  <a:schemeClr val="tx1"/>
+                </a:solidFill>
+                <a:latin typeface="Menlo" panose="020B0609030804020204" pitchFamily="49" charset="0"/>
+              </a:rPr>
+              <a:t>, </a:t>
+            </a:r>
+            <a:r>
+              <a:rPr lang="nl-NL" sz="1000" i="1" dirty="0" err="1">
+                <a:solidFill>
+                  <a:schemeClr val="tx1"/>
+                </a:solidFill>
+                <a:latin typeface="Menlo" panose="020B0609030804020204" pitchFamily="49" charset="0"/>
+              </a:rPr>
+              <a:t>webscrap</a:t>
+            </a:r>
+            <a:endParaRPr lang="nl-NL" sz="1000" b="0" i="1" dirty="0">
+              <a:solidFill>
+                <a:schemeClr val="tx1"/>
+              </a:solidFill>
+              <a:effectLst/>
+              <a:latin typeface="Menlo" panose="020B0609030804020204" pitchFamily="49" charset="0"/>
+            </a:endParaRPr>
+          </a:p>
         </p:txBody>
       </p:sp>
       <p:sp>
@@ -3619,13 +3869,17 @@
         </p:nvSpPr>
         <p:spPr>
           <a:xfrm>
-            <a:off x="714702" y="3419531"/>
-            <a:ext cx="2975360" cy="399393"/>
+            <a:off x="846536" y="3403539"/>
+            <a:ext cx="3552498" cy="499836"/>
           </a:xfrm>
           <a:prstGeom prst="rect">
             <a:avLst/>
           </a:prstGeom>
-          <a:noFill/>
+          <a:solidFill>
+            <a:schemeClr val="bg1">
+              <a:lumMod val="85000"/>
+            </a:schemeClr>
+          </a:solidFill>
           <a:ln>
             <a:solidFill>
               <a:schemeClr val="tx1"/>
@@ -3653,7 +3907,7 @@
           <a:lstStyle/>
           <a:p>
             <a:r>
-              <a:rPr lang="nl-NL" sz="1000" b="0" dirty="0">
+              <a:rPr lang="nl-NL" sz="1000" b="1" dirty="0">
                 <a:solidFill>
                   <a:schemeClr val="tx1"/>
                 </a:solidFill>
@@ -3663,6 +3917,35 @@
               <a:t>Het Consumentenprijs Index (CPI)</a:t>
             </a:r>
           </a:p>
+          <a:p>
+            <a:r>
+              <a:rPr lang="nl-NL" sz="1000" b="0" i="1" dirty="0">
+                <a:solidFill>
+                  <a:schemeClr val="tx1"/>
+                </a:solidFill>
+                <a:effectLst/>
+                <a:latin typeface="Menlo" panose="020B0609030804020204" pitchFamily="49" charset="0"/>
+              </a:rPr>
+              <a:t>Databron &amp; Extensie : Het CBS, .</a:t>
+            </a:r>
+            <a:r>
+              <a:rPr lang="nl-NL" sz="1000" b="0" i="1" dirty="0" err="1">
+                <a:solidFill>
+                  <a:schemeClr val="tx1"/>
+                </a:solidFill>
+                <a:effectLst/>
+                <a:latin typeface="Menlo" panose="020B0609030804020204" pitchFamily="49" charset="0"/>
+              </a:rPr>
+              <a:t>xlsx</a:t>
+            </a:r>
+            <a:endParaRPr lang="nl-NL" sz="1000" b="0" i="1" dirty="0">
+              <a:solidFill>
+                <a:schemeClr val="tx1"/>
+              </a:solidFill>
+              <a:effectLst/>
+              <a:latin typeface="Menlo" panose="020B0609030804020204" pitchFamily="49" charset="0"/>
+            </a:endParaRPr>
+          </a:p>
         </p:txBody>
       </p:sp>
       <p:sp>
@@ -3679,13 +3962,17 @@
         </p:nvSpPr>
         <p:spPr>
           <a:xfrm>
-            <a:off x="714701" y="4435901"/>
-            <a:ext cx="2975360" cy="399393"/>
+            <a:off x="846536" y="4682421"/>
+            <a:ext cx="3545872" cy="497509"/>
           </a:xfrm>
           <a:prstGeom prst="rect">
             <a:avLst/>
           </a:prstGeom>
-          <a:noFill/>
+          <a:solidFill>
+            <a:schemeClr val="bg1">
+              <a:lumMod val="85000"/>
+            </a:schemeClr>
+          </a:solidFill>
           <a:ln>
             <a:solidFill>
               <a:schemeClr val="tx1"/>
@@ -3712,9 +3999,8 @@
           <a:bodyPr rtlCol="0" anchor="ctr"/>
           <a:lstStyle/>
           <a:p>
-            <a:pPr algn="ctr"/>
-            <a:r>
-              <a:rPr lang="nl-NL" sz="1000" b="0" dirty="0">
+            <a:r>
+              <a:rPr lang="nl-NL" sz="1000" b="1" dirty="0">
                 <a:solidFill>
                   <a:schemeClr val="tx1"/>
                 </a:solidFill>
@@ -3722,6 +4008,559 @@
                 <a:latin typeface="Menlo" panose="020B0609030804020204" pitchFamily="49" charset="0"/>
               </a:rPr>
               <a:t>Het aantal verkochte woningen</a:t>
+            </a:r>
+          </a:p>
+          <a:p>
+            <a:r>
+              <a:rPr lang="nl-NL" sz="1000" b="0" i="1" dirty="0">
+                <a:solidFill>
+                  <a:schemeClr val="tx1"/>
+                </a:solidFill>
+                <a:effectLst/>
+                <a:latin typeface="Menlo" panose="020B0609030804020204" pitchFamily="49" charset="0"/>
+              </a:rPr>
+              <a:t>Databron &amp; Extensie : Het Kadaster, .</a:t>
+            </a:r>
+            <a:r>
+              <a:rPr lang="nl-NL" sz="1000" b="0" i="1" dirty="0" err="1">
+                <a:solidFill>
+                  <a:schemeClr val="tx1"/>
+                </a:solidFill>
+                <a:effectLst/>
+                <a:latin typeface="Menlo" panose="020B0609030804020204" pitchFamily="49" charset="0"/>
+              </a:rPr>
+              <a:t>xlsx</a:t>
+            </a:r>
+            <a:endParaRPr lang="nl-NL" sz="1000" b="0" i="1" dirty="0">
+              <a:solidFill>
+                <a:schemeClr val="tx1"/>
+              </a:solidFill>
+              <a:effectLst/>
+              <a:latin typeface="Menlo" panose="020B0609030804020204" pitchFamily="49" charset="0"/>
+            </a:endParaRPr>
+          </a:p>
+        </p:txBody>
+      </p:sp>
+      <p:sp>
+        <p:nvSpPr>
+          <p:cNvPr id="10" name="Rechthoek 9">
+            <a:extLst>
+              <a:ext uri="{FF2B5EF4-FFF2-40B4-BE49-F238E27FC236}">
+                <a16:creationId xmlns:a16="http://schemas.microsoft.com/office/drawing/2014/main" id="{EF79BD8A-4F6A-F638-F1B6-8BED04CE6756}"/>
+              </a:ext>
+            </a:extLst>
+          </p:cNvPr>
+          <p:cNvSpPr/>
+          <p:nvPr/>
+        </p:nvSpPr>
+        <p:spPr>
+          <a:xfrm>
+            <a:off x="6217912" y="3362269"/>
+            <a:ext cx="2424722" cy="509836"/>
+          </a:xfrm>
+          <a:prstGeom prst="rect">
+            <a:avLst/>
+          </a:prstGeom>
+          <a:solidFill>
+            <a:schemeClr val="bg1">
+              <a:lumMod val="85000"/>
+            </a:schemeClr>
+          </a:solidFill>
+          <a:ln>
+            <a:solidFill>
+              <a:schemeClr val="tx1"/>
+            </a:solidFill>
+          </a:ln>
+        </p:spPr>
+        <p:style>
+          <a:lnRef idx="2">
+            <a:schemeClr val="accent1">
+              <a:shade val="15000"/>
+            </a:schemeClr>
+          </a:lnRef>
+          <a:fillRef idx="1">
+            <a:schemeClr val="accent1"/>
+          </a:fillRef>
+          <a:effectRef idx="0">
+            <a:schemeClr val="accent1"/>
+          </a:effectRef>
+          <a:fontRef idx="minor">
+            <a:schemeClr val="lt1"/>
+          </a:fontRef>
+        </p:style>
+        <p:txBody>
+          <a:bodyPr rtlCol="0" anchor="ctr"/>
+          <a:lstStyle/>
+          <a:p>
+            <a:pPr algn="ctr"/>
+            <a:r>
+              <a:rPr lang="nl-NL" sz="1000" b="1" dirty="0">
+                <a:solidFill>
+                  <a:schemeClr val="tx1"/>
+                </a:solidFill>
+                <a:latin typeface="Menlo" panose="020B0609030804020204" pitchFamily="49" charset="0"/>
+              </a:rPr>
+              <a:t>De w</a:t>
+            </a:r>
+            <a:r>
+              <a:rPr lang="nl-NL" sz="1000" b="1" dirty="0">
+                <a:solidFill>
+                  <a:schemeClr val="tx1"/>
+                </a:solidFill>
+                <a:effectLst/>
+                <a:latin typeface="Menlo" panose="020B0609030804020204" pitchFamily="49" charset="0"/>
+              </a:rPr>
+              <a:t>oningwaarde per</a:t>
+            </a:r>
+            <a:r>
+              <a:rPr lang="nl-NL" sz="1000" b="1" dirty="0">
+                <a:solidFill>
+                  <a:schemeClr val="tx1"/>
+                </a:solidFill>
+                <a:latin typeface="Menlo" panose="020B0609030804020204" pitchFamily="49" charset="0"/>
+              </a:rPr>
+              <a:t> p</a:t>
+            </a:r>
+            <a:r>
+              <a:rPr lang="nl-NL" sz="1000" b="1" dirty="0">
+                <a:solidFill>
+                  <a:schemeClr val="tx1"/>
+                </a:solidFill>
+                <a:effectLst/>
+                <a:latin typeface="Menlo" panose="020B0609030804020204" pitchFamily="49" charset="0"/>
+              </a:rPr>
+              <a:t>rovincie</a:t>
+            </a:r>
+          </a:p>
+        </p:txBody>
+      </p:sp>
+      <p:cxnSp>
+        <p:nvCxnSpPr>
+          <p:cNvPr id="68" name="Rechte verbindingslijn 67">
+            <a:extLst>
+              <a:ext uri="{FF2B5EF4-FFF2-40B4-BE49-F238E27FC236}">
+                <a16:creationId xmlns:a16="http://schemas.microsoft.com/office/drawing/2014/main" id="{63BD736C-6789-1A50-DC52-A96AF625039A}"/>
+              </a:ext>
+            </a:extLst>
+          </p:cNvPr>
+          <p:cNvCxnSpPr>
+            <a:cxnSpLocks/>
+            <a:stCxn id="4" idx="3"/>
+            <a:endCxn id="10" idx="1"/>
+          </p:cNvCxnSpPr>
+          <p:nvPr/>
+        </p:nvCxnSpPr>
+        <p:spPr>
+          <a:xfrm>
+            <a:off x="4385782" y="2414263"/>
+            <a:ext cx="1832130" cy="1202924"/>
+          </a:xfrm>
+          <a:prstGeom prst="line">
+            <a:avLst/>
+          </a:prstGeom>
+        </p:spPr>
+        <p:style>
+          <a:lnRef idx="1">
+            <a:schemeClr val="dk1"/>
+          </a:lnRef>
+          <a:fillRef idx="0">
+            <a:schemeClr val="dk1"/>
+          </a:fillRef>
+          <a:effectRef idx="0">
+            <a:schemeClr val="dk1"/>
+          </a:effectRef>
+          <a:fontRef idx="minor">
+            <a:schemeClr val="tx1"/>
+          </a:fontRef>
+        </p:style>
+      </p:cxnSp>
+      <p:cxnSp>
+        <p:nvCxnSpPr>
+          <p:cNvPr id="70" name="Rechte verbindingslijn 69">
+            <a:extLst>
+              <a:ext uri="{FF2B5EF4-FFF2-40B4-BE49-F238E27FC236}">
+                <a16:creationId xmlns:a16="http://schemas.microsoft.com/office/drawing/2014/main" id="{F3C21D76-A1C1-B6B0-6292-6823F5AB3C71}"/>
+              </a:ext>
+            </a:extLst>
+          </p:cNvPr>
+          <p:cNvCxnSpPr>
+            <a:cxnSpLocks/>
+            <a:stCxn id="7" idx="3"/>
+            <a:endCxn id="10" idx="1"/>
+          </p:cNvCxnSpPr>
+          <p:nvPr/>
+        </p:nvCxnSpPr>
+        <p:spPr>
+          <a:xfrm>
+            <a:off x="4385782" y="3044424"/>
+            <a:ext cx="1832130" cy="572763"/>
+          </a:xfrm>
+          <a:prstGeom prst="line">
+            <a:avLst/>
+          </a:prstGeom>
+        </p:spPr>
+        <p:style>
+          <a:lnRef idx="1">
+            <a:schemeClr val="dk1"/>
+          </a:lnRef>
+          <a:fillRef idx="0">
+            <a:schemeClr val="dk1"/>
+          </a:fillRef>
+          <a:effectRef idx="0">
+            <a:schemeClr val="dk1"/>
+          </a:effectRef>
+          <a:fontRef idx="minor">
+            <a:schemeClr val="tx1"/>
+          </a:fontRef>
+        </p:style>
+      </p:cxnSp>
+      <p:cxnSp>
+        <p:nvCxnSpPr>
+          <p:cNvPr id="72" name="Rechte verbindingslijn 71">
+            <a:extLst>
+              <a:ext uri="{FF2B5EF4-FFF2-40B4-BE49-F238E27FC236}">
+                <a16:creationId xmlns:a16="http://schemas.microsoft.com/office/drawing/2014/main" id="{959A20E1-B3EB-1DCC-85F1-BD975B690ECC}"/>
+              </a:ext>
+            </a:extLst>
+          </p:cNvPr>
+          <p:cNvCxnSpPr>
+            <a:cxnSpLocks/>
+            <a:stCxn id="8" idx="3"/>
+            <a:endCxn id="10" idx="1"/>
+          </p:cNvCxnSpPr>
+          <p:nvPr/>
+        </p:nvCxnSpPr>
+        <p:spPr>
+          <a:xfrm flipV="1">
+            <a:off x="4399034" y="3617187"/>
+            <a:ext cx="1818878" cy="36270"/>
+          </a:xfrm>
+          <a:prstGeom prst="line">
+            <a:avLst/>
+          </a:prstGeom>
+        </p:spPr>
+        <p:style>
+          <a:lnRef idx="1">
+            <a:schemeClr val="dk1"/>
+          </a:lnRef>
+          <a:fillRef idx="0">
+            <a:schemeClr val="dk1"/>
+          </a:fillRef>
+          <a:effectRef idx="0">
+            <a:schemeClr val="dk1"/>
+          </a:effectRef>
+          <a:fontRef idx="minor">
+            <a:schemeClr val="tx1"/>
+          </a:fontRef>
+        </p:style>
+      </p:cxnSp>
+      <p:cxnSp>
+        <p:nvCxnSpPr>
+          <p:cNvPr id="74" name="Rechte verbindingslijn 73">
+            <a:extLst>
+              <a:ext uri="{FF2B5EF4-FFF2-40B4-BE49-F238E27FC236}">
+                <a16:creationId xmlns:a16="http://schemas.microsoft.com/office/drawing/2014/main" id="{56239CD9-3E5D-43DB-5A49-C0C122C476BC}"/>
+              </a:ext>
+            </a:extLst>
+          </p:cNvPr>
+          <p:cNvCxnSpPr>
+            <a:cxnSpLocks/>
+            <a:stCxn id="5" idx="3"/>
+            <a:endCxn id="10" idx="1"/>
+          </p:cNvCxnSpPr>
+          <p:nvPr/>
+        </p:nvCxnSpPr>
+        <p:spPr>
+          <a:xfrm flipV="1">
+            <a:off x="4399860" y="3617187"/>
+            <a:ext cx="1818052" cy="675711"/>
+          </a:xfrm>
+          <a:prstGeom prst="line">
+            <a:avLst/>
+          </a:prstGeom>
+        </p:spPr>
+        <p:style>
+          <a:lnRef idx="1">
+            <a:schemeClr val="dk1"/>
+          </a:lnRef>
+          <a:fillRef idx="0">
+            <a:schemeClr val="dk1"/>
+          </a:fillRef>
+          <a:effectRef idx="0">
+            <a:schemeClr val="dk1"/>
+          </a:effectRef>
+          <a:fontRef idx="minor">
+            <a:schemeClr val="tx1"/>
+          </a:fontRef>
+        </p:style>
+      </p:cxnSp>
+      <p:cxnSp>
+        <p:nvCxnSpPr>
+          <p:cNvPr id="76" name="Rechte verbindingslijn 75">
+            <a:extLst>
+              <a:ext uri="{FF2B5EF4-FFF2-40B4-BE49-F238E27FC236}">
+                <a16:creationId xmlns:a16="http://schemas.microsoft.com/office/drawing/2014/main" id="{EE9CDF84-8B79-539B-F26F-740D355CF5CE}"/>
+              </a:ext>
+            </a:extLst>
+          </p:cNvPr>
+          <p:cNvCxnSpPr>
+            <a:cxnSpLocks/>
+            <a:stCxn id="9" idx="3"/>
+            <a:endCxn id="10" idx="1"/>
+          </p:cNvCxnSpPr>
+          <p:nvPr/>
+        </p:nvCxnSpPr>
+        <p:spPr>
+          <a:xfrm flipV="1">
+            <a:off x="4392408" y="3617187"/>
+            <a:ext cx="1825504" cy="1313989"/>
+          </a:xfrm>
+          <a:prstGeom prst="line">
+            <a:avLst/>
+          </a:prstGeom>
+        </p:spPr>
+        <p:style>
+          <a:lnRef idx="1">
+            <a:schemeClr val="dk1"/>
+          </a:lnRef>
+          <a:fillRef idx="0">
+            <a:schemeClr val="dk1"/>
+          </a:fillRef>
+          <a:effectRef idx="0">
+            <a:schemeClr val="dk1"/>
+          </a:effectRef>
+          <a:fontRef idx="minor">
+            <a:schemeClr val="tx1"/>
+          </a:fontRef>
+        </p:style>
+      </p:cxnSp>
+      <p:sp>
+        <p:nvSpPr>
+          <p:cNvPr id="84" name="Rechthoek 83">
+            <a:extLst>
+              <a:ext uri="{FF2B5EF4-FFF2-40B4-BE49-F238E27FC236}">
+                <a16:creationId xmlns:a16="http://schemas.microsoft.com/office/drawing/2014/main" id="{D6EDC71D-9075-D0D0-8AA5-8CF2690D944E}"/>
+              </a:ext>
+            </a:extLst>
+          </p:cNvPr>
+          <p:cNvSpPr/>
+          <p:nvPr/>
+        </p:nvSpPr>
+        <p:spPr>
+          <a:xfrm>
+            <a:off x="9763784" y="3373778"/>
+            <a:ext cx="1478869" cy="498327"/>
+          </a:xfrm>
+          <a:prstGeom prst="rect">
+            <a:avLst/>
+          </a:prstGeom>
+          <a:solidFill>
+            <a:schemeClr val="bg1">
+              <a:lumMod val="85000"/>
+            </a:schemeClr>
+          </a:solidFill>
+          <a:ln>
+            <a:solidFill>
+              <a:schemeClr val="tx1"/>
+            </a:solidFill>
+          </a:ln>
+        </p:spPr>
+        <p:style>
+          <a:lnRef idx="2">
+            <a:schemeClr val="accent1">
+              <a:shade val="15000"/>
+            </a:schemeClr>
+          </a:lnRef>
+          <a:fillRef idx="1">
+            <a:schemeClr val="accent1"/>
+          </a:fillRef>
+          <a:effectRef idx="0">
+            <a:schemeClr val="accent1"/>
+          </a:effectRef>
+          <a:fontRef idx="minor">
+            <a:schemeClr val="lt1"/>
+          </a:fontRef>
+        </p:style>
+        <p:txBody>
+          <a:bodyPr rtlCol="0" anchor="ctr"/>
+          <a:lstStyle/>
+          <a:p>
+            <a:pPr algn="ctr"/>
+            <a:r>
+              <a:rPr lang="nl-NL" sz="1000" b="1" dirty="0">
+                <a:solidFill>
+                  <a:schemeClr val="tx1"/>
+                </a:solidFill>
+                <a:latin typeface="Menlo" panose="020B0609030804020204" pitchFamily="49" charset="0"/>
+              </a:rPr>
+              <a:t>Gelderland</a:t>
+            </a:r>
+            <a:endParaRPr lang="nl-NL" sz="1000" b="1" dirty="0">
+              <a:solidFill>
+                <a:schemeClr val="tx1"/>
+              </a:solidFill>
+              <a:effectLst/>
+              <a:latin typeface="Menlo" panose="020B0609030804020204" pitchFamily="49" charset="0"/>
+            </a:endParaRPr>
+          </a:p>
+        </p:txBody>
+      </p:sp>
+      <p:cxnSp>
+        <p:nvCxnSpPr>
+          <p:cNvPr id="85" name="Rechte verbindingslijn 84">
+            <a:extLst>
+              <a:ext uri="{FF2B5EF4-FFF2-40B4-BE49-F238E27FC236}">
+                <a16:creationId xmlns:a16="http://schemas.microsoft.com/office/drawing/2014/main" id="{150323AA-C2B1-0D89-3CA1-D4DF802DC749}"/>
+              </a:ext>
+            </a:extLst>
+          </p:cNvPr>
+          <p:cNvCxnSpPr>
+            <a:cxnSpLocks/>
+            <a:stCxn id="10" idx="3"/>
+            <a:endCxn id="84" idx="1"/>
+          </p:cNvCxnSpPr>
+          <p:nvPr/>
+        </p:nvCxnSpPr>
+        <p:spPr>
+          <a:xfrm>
+            <a:off x="8642634" y="3617187"/>
+            <a:ext cx="1121150" cy="5755"/>
+          </a:xfrm>
+          <a:prstGeom prst="line">
+            <a:avLst/>
+          </a:prstGeom>
+        </p:spPr>
+        <p:style>
+          <a:lnRef idx="1">
+            <a:schemeClr val="dk1"/>
+          </a:lnRef>
+          <a:fillRef idx="0">
+            <a:schemeClr val="dk1"/>
+          </a:fillRef>
+          <a:effectRef idx="0">
+            <a:schemeClr val="dk1"/>
+          </a:effectRef>
+          <a:fontRef idx="minor">
+            <a:schemeClr val="tx1"/>
+          </a:fontRef>
+        </p:style>
+      </p:cxnSp>
+      <p:sp>
+        <p:nvSpPr>
+          <p:cNvPr id="194" name="Tekstvak 193">
+            <a:extLst>
+              <a:ext uri="{FF2B5EF4-FFF2-40B4-BE49-F238E27FC236}">
+                <a16:creationId xmlns:a16="http://schemas.microsoft.com/office/drawing/2014/main" id="{E5F8A591-37AC-F91F-C8AD-D31A0F46B89B}"/>
+              </a:ext>
+            </a:extLst>
+          </p:cNvPr>
+          <p:cNvSpPr txBox="1"/>
+          <p:nvPr/>
+        </p:nvSpPr>
+        <p:spPr>
+          <a:xfrm>
+            <a:off x="938768" y="1645920"/>
+            <a:ext cx="3363401" cy="369332"/>
+          </a:xfrm>
+          <a:prstGeom prst="rect">
+            <a:avLst/>
+          </a:prstGeom>
+          <a:noFill/>
+        </p:spPr>
+        <p:txBody>
+          <a:bodyPr wrap="square" rtlCol="0">
+            <a:spAutoFit/>
+          </a:bodyPr>
+          <a:lstStyle/>
+          <a:p>
+            <a:pPr algn="ctr"/>
+            <a:r>
+              <a:rPr lang="nl-NL" i="1" dirty="0"/>
+              <a:t>Data-aggregatie</a:t>
+            </a:r>
+            <a:r>
+              <a:rPr lang="nl-NL" dirty="0"/>
+              <a:t> </a:t>
+            </a:r>
+          </a:p>
+        </p:txBody>
+      </p:sp>
+      <p:sp>
+        <p:nvSpPr>
+          <p:cNvPr id="196" name="Tekstvak 195">
+            <a:extLst>
+              <a:ext uri="{FF2B5EF4-FFF2-40B4-BE49-F238E27FC236}">
+                <a16:creationId xmlns:a16="http://schemas.microsoft.com/office/drawing/2014/main" id="{40DFC035-C677-71DC-CE94-25DC2270EE4D}"/>
+              </a:ext>
+            </a:extLst>
+          </p:cNvPr>
+          <p:cNvSpPr txBox="1"/>
+          <p:nvPr/>
+        </p:nvSpPr>
+        <p:spPr>
+          <a:xfrm>
+            <a:off x="5971942" y="1631811"/>
+            <a:ext cx="2866820" cy="369332"/>
+          </a:xfrm>
+          <a:prstGeom prst="rect">
+            <a:avLst/>
+          </a:prstGeom>
+          <a:noFill/>
+        </p:spPr>
+        <p:txBody>
+          <a:bodyPr wrap="square" rtlCol="0">
+            <a:spAutoFit/>
+          </a:bodyPr>
+          <a:lstStyle/>
+          <a:p>
+            <a:pPr algn="ctr"/>
+            <a:r>
+              <a:rPr lang="nl-NL" i="1" dirty="0"/>
+              <a:t>Data-preparatie</a:t>
+            </a:r>
+            <a:r>
+              <a:rPr lang="nl-NL" dirty="0"/>
+              <a:t> </a:t>
+            </a:r>
+          </a:p>
+        </p:txBody>
+      </p:sp>
+      <p:sp>
+        <p:nvSpPr>
+          <p:cNvPr id="198" name="Tekstvak 197">
+            <a:extLst>
+              <a:ext uri="{FF2B5EF4-FFF2-40B4-BE49-F238E27FC236}">
+                <a16:creationId xmlns:a16="http://schemas.microsoft.com/office/drawing/2014/main" id="{EDCA127B-6C97-91C7-5526-0458A8D3C7DF}"/>
+              </a:ext>
+            </a:extLst>
+          </p:cNvPr>
+          <p:cNvSpPr txBox="1"/>
+          <p:nvPr/>
+        </p:nvSpPr>
+        <p:spPr>
+          <a:xfrm>
+            <a:off x="9023069" y="1636351"/>
+            <a:ext cx="2866820" cy="369332"/>
+          </a:xfrm>
+          <a:prstGeom prst="rect">
+            <a:avLst/>
+          </a:prstGeom>
+          <a:noFill/>
+        </p:spPr>
+        <p:txBody>
+          <a:bodyPr wrap="square" rtlCol="0">
+            <a:spAutoFit/>
+          </a:bodyPr>
+          <a:lstStyle/>
+          <a:p>
+            <a:pPr algn="ctr"/>
+            <a:r>
+              <a:rPr lang="nl-NL" i="1" dirty="0"/>
+              <a:t>Modelling</a:t>
+            </a:r>
+            <a:r>
+              <a:rPr lang="nl-NL" dirty="0"/>
+              <a:t> </a:t>
             </a:r>
           </a:p>
         </p:txBody>

--- a/Het onderzoekmodel.pptx
+++ b/Het onderzoekmodel.pptx
@@ -104,6 +104,11 @@
       </a:defRPr>
     </a:lvl9pPr>
   </p:defaultTextStyle>
+  <p:extLst>
+    <p:ext uri="{EFAFB233-063F-42B5-8137-9DF3F51BA10A}">
+      <p15:sldGuideLst xmlns:p15="http://schemas.microsoft.com/office/powerpoint/2012/main"/>
+    </p:ext>
+  </p:extLst>
 </p:presentation>
 </file>
 
@@ -254,7 +259,7 @@
           <a:p>
             <a:fld id="{17F9A710-B3EA-4444-9597-D4B70E9AD9E1}" type="datetimeFigureOut">
               <a:rPr lang="nl-NL" smtClean="0"/>
-              <a:t>13-06-2023</a:t>
+              <a:t>18-06-2023</a:t>
             </a:fld>
             <a:endParaRPr lang="nl-NL"/>
           </a:p>
@@ -452,7 +457,7 @@
           <a:p>
             <a:fld id="{17F9A710-B3EA-4444-9597-D4B70E9AD9E1}" type="datetimeFigureOut">
               <a:rPr lang="nl-NL" smtClean="0"/>
-              <a:t>13-06-2023</a:t>
+              <a:t>18-06-2023</a:t>
             </a:fld>
             <a:endParaRPr lang="nl-NL"/>
           </a:p>
@@ -660,7 +665,7 @@
           <a:p>
             <a:fld id="{17F9A710-B3EA-4444-9597-D4B70E9AD9E1}" type="datetimeFigureOut">
               <a:rPr lang="nl-NL" smtClean="0"/>
-              <a:t>13-06-2023</a:t>
+              <a:t>18-06-2023</a:t>
             </a:fld>
             <a:endParaRPr lang="nl-NL"/>
           </a:p>
@@ -858,7 +863,7 @@
           <a:p>
             <a:fld id="{17F9A710-B3EA-4444-9597-D4B70E9AD9E1}" type="datetimeFigureOut">
               <a:rPr lang="nl-NL" smtClean="0"/>
-              <a:t>13-06-2023</a:t>
+              <a:t>18-06-2023</a:t>
             </a:fld>
             <a:endParaRPr lang="nl-NL"/>
           </a:p>
@@ -1133,7 +1138,7 @@
           <a:p>
             <a:fld id="{17F9A710-B3EA-4444-9597-D4B70E9AD9E1}" type="datetimeFigureOut">
               <a:rPr lang="nl-NL" smtClean="0"/>
-              <a:t>13-06-2023</a:t>
+              <a:t>18-06-2023</a:t>
             </a:fld>
             <a:endParaRPr lang="nl-NL"/>
           </a:p>
@@ -1398,7 +1403,7 @@
           <a:p>
             <a:fld id="{17F9A710-B3EA-4444-9597-D4B70E9AD9E1}" type="datetimeFigureOut">
               <a:rPr lang="nl-NL" smtClean="0"/>
-              <a:t>13-06-2023</a:t>
+              <a:t>18-06-2023</a:t>
             </a:fld>
             <a:endParaRPr lang="nl-NL"/>
           </a:p>
@@ -1810,7 +1815,7 @@
           <a:p>
             <a:fld id="{17F9A710-B3EA-4444-9597-D4B70E9AD9E1}" type="datetimeFigureOut">
               <a:rPr lang="nl-NL" smtClean="0"/>
-              <a:t>13-06-2023</a:t>
+              <a:t>18-06-2023</a:t>
             </a:fld>
             <a:endParaRPr lang="nl-NL"/>
           </a:p>
@@ -1951,7 +1956,7 @@
           <a:p>
             <a:fld id="{17F9A710-B3EA-4444-9597-D4B70E9AD9E1}" type="datetimeFigureOut">
               <a:rPr lang="nl-NL" smtClean="0"/>
-              <a:t>13-06-2023</a:t>
+              <a:t>18-06-2023</a:t>
             </a:fld>
             <a:endParaRPr lang="nl-NL"/>
           </a:p>
@@ -2064,7 +2069,7 @@
           <a:p>
             <a:fld id="{17F9A710-B3EA-4444-9597-D4B70E9AD9E1}" type="datetimeFigureOut">
               <a:rPr lang="nl-NL" smtClean="0"/>
-              <a:t>13-06-2023</a:t>
+              <a:t>18-06-2023</a:t>
             </a:fld>
             <a:endParaRPr lang="nl-NL"/>
           </a:p>
@@ -2375,7 +2380,7 @@
           <a:p>
             <a:fld id="{17F9A710-B3EA-4444-9597-D4B70E9AD9E1}" type="datetimeFigureOut">
               <a:rPr lang="nl-NL" smtClean="0"/>
-              <a:t>13-06-2023</a:t>
+              <a:t>18-06-2023</a:t>
             </a:fld>
             <a:endParaRPr lang="nl-NL"/>
           </a:p>
@@ -2663,7 +2668,7 @@
           <a:p>
             <a:fld id="{17F9A710-B3EA-4444-9597-D4B70E9AD9E1}" type="datetimeFigureOut">
               <a:rPr lang="nl-NL" smtClean="0"/>
-              <a:t>13-06-2023</a:t>
+              <a:t>18-06-2023</a:t>
             </a:fld>
             <a:endParaRPr lang="nl-NL"/>
           </a:p>
@@ -2904,7 +2909,7 @@
           <a:p>
             <a:fld id="{17F9A710-B3EA-4444-9597-D4B70E9AD9E1}" type="datetimeFigureOut">
               <a:rPr lang="nl-NL" smtClean="0"/>
-              <a:t>13-06-2023</a:t>
+              <a:t>18-06-2023</a:t>
             </a:fld>
             <a:endParaRPr lang="nl-NL"/>
           </a:p>
@@ -3335,8 +3340,8 @@
         </p:nvSpPr>
         <p:spPr>
           <a:xfrm>
-            <a:off x="9510274" y="1526648"/>
-            <a:ext cx="1892411" cy="4028661"/>
+            <a:off x="9023069" y="1530625"/>
+            <a:ext cx="2866820" cy="4028661"/>
           </a:xfrm>
           <a:prstGeom prst="rect">
             <a:avLst/>
@@ -3386,8 +3391,8 @@
         </p:nvSpPr>
         <p:spPr>
           <a:xfrm>
-            <a:off x="5971942" y="1530625"/>
-            <a:ext cx="2878373" cy="4028661"/>
+            <a:off x="5065207" y="1534971"/>
+            <a:ext cx="3347732" cy="4028661"/>
           </a:xfrm>
           <a:prstGeom prst="rect">
             <a:avLst/>
@@ -3618,25 +3623,8 @@
                 <a:effectLst/>
                 <a:latin typeface="Menlo" panose="020B0609030804020204" pitchFamily="49" charset="0"/>
               </a:rPr>
-              <a:t>Databron &amp; Extensie : Het CBS, .</a:t>
-            </a:r>
-            <a:r>
-              <a:rPr lang="nl-NL" sz="1000" b="0" i="1" dirty="0" err="1">
-                <a:solidFill>
-                  <a:schemeClr val="tx1"/>
-                </a:solidFill>
-                <a:effectLst/>
-                <a:latin typeface="Menlo" panose="020B0609030804020204" pitchFamily="49" charset="0"/>
-              </a:rPr>
-              <a:t>csv</a:t>
-            </a:r>
-            <a:endParaRPr lang="nl-NL" sz="1000" b="0" i="1" dirty="0">
-              <a:solidFill>
-                <a:schemeClr val="tx1"/>
-              </a:solidFill>
-              <a:effectLst/>
-              <a:latin typeface="Menlo" panose="020B0609030804020204" pitchFamily="49" charset="0"/>
-            </a:endParaRPr>
+              <a:t>Databron &amp; Extensie : Het CBS, .csv</a:t>
+            </a:r>
           </a:p>
         </p:txBody>
       </p:sp>
@@ -3815,17 +3803,7 @@
                 <a:effectLst/>
                 <a:latin typeface="Menlo" panose="020B0609030804020204" pitchFamily="49" charset="0"/>
               </a:rPr>
-              <a:t>Databron &amp; Extensie : </a:t>
-            </a:r>
-            <a:r>
-              <a:rPr lang="nl-NL" sz="1000" b="0" i="1" dirty="0" err="1">
-                <a:solidFill>
-                  <a:schemeClr val="tx1"/>
-                </a:solidFill>
-                <a:effectLst/>
-                <a:latin typeface="Menlo" panose="020B0609030804020204" pitchFamily="49" charset="0"/>
-              </a:rPr>
-              <a:t>allecijfers</a:t>
+              <a:t>Databron &amp; Extensie : allecijfers</a:t>
             </a:r>
             <a:r>
               <a:rPr lang="nl-NL" sz="1000" i="1" dirty="0">
@@ -3834,16 +3812,7 @@
                 </a:solidFill>
                 <a:latin typeface="Menlo" panose="020B0609030804020204" pitchFamily="49" charset="0"/>
               </a:rPr>
-              <a:t>, </a:t>
-            </a:r>
-            <a:r>
-              <a:rPr lang="nl-NL" sz="1000" i="1" dirty="0" err="1">
-                <a:solidFill>
-                  <a:schemeClr val="tx1"/>
-                </a:solidFill>
-                <a:latin typeface="Menlo" panose="020B0609030804020204" pitchFamily="49" charset="0"/>
-              </a:rPr>
-              <a:t>webscrap</a:t>
+              <a:t>, webscrap</a:t>
             </a:r>
             <a:endParaRPr lang="nl-NL" sz="1000" b="0" i="1" dirty="0">
               <a:solidFill>
@@ -3926,25 +3895,8 @@
                 <a:effectLst/>
                 <a:latin typeface="Menlo" panose="020B0609030804020204" pitchFamily="49" charset="0"/>
               </a:rPr>
-              <a:t>Databron &amp; Extensie : Het CBS, .</a:t>
-            </a:r>
-            <a:r>
-              <a:rPr lang="nl-NL" sz="1000" b="0" i="1" dirty="0" err="1">
-                <a:solidFill>
-                  <a:schemeClr val="tx1"/>
-                </a:solidFill>
-                <a:effectLst/>
-                <a:latin typeface="Menlo" panose="020B0609030804020204" pitchFamily="49" charset="0"/>
-              </a:rPr>
-              <a:t>xlsx</a:t>
-            </a:r>
-            <a:endParaRPr lang="nl-NL" sz="1000" b="0" i="1" dirty="0">
-              <a:solidFill>
-                <a:schemeClr val="tx1"/>
-              </a:solidFill>
-              <a:effectLst/>
-              <a:latin typeface="Menlo" panose="020B0609030804020204" pitchFamily="49" charset="0"/>
-            </a:endParaRPr>
+              <a:t>Databron &amp; Extensie : Het CBS, .xlsx</a:t>
+            </a:r>
           </a:p>
         </p:txBody>
       </p:sp>
@@ -4019,25 +3971,8 @@
                 <a:effectLst/>
                 <a:latin typeface="Menlo" panose="020B0609030804020204" pitchFamily="49" charset="0"/>
               </a:rPr>
-              <a:t>Databron &amp; Extensie : Het Kadaster, .</a:t>
-            </a:r>
-            <a:r>
-              <a:rPr lang="nl-NL" sz="1000" b="0" i="1" dirty="0" err="1">
-                <a:solidFill>
-                  <a:schemeClr val="tx1"/>
-                </a:solidFill>
-                <a:effectLst/>
-                <a:latin typeface="Menlo" panose="020B0609030804020204" pitchFamily="49" charset="0"/>
-              </a:rPr>
-              <a:t>xlsx</a:t>
-            </a:r>
-            <a:endParaRPr lang="nl-NL" sz="1000" b="0" i="1" dirty="0">
-              <a:solidFill>
-                <a:schemeClr val="tx1"/>
-              </a:solidFill>
-              <a:effectLst/>
-              <a:latin typeface="Menlo" panose="020B0609030804020204" pitchFamily="49" charset="0"/>
-            </a:endParaRPr>
+              <a:t>Databron &amp; Extensie : Het Kadaster, .xlsx</a:t>
+            </a:r>
           </a:p>
         </p:txBody>
       </p:sp>
@@ -4055,8 +3990,8 @@
         </p:nvSpPr>
         <p:spPr>
           <a:xfrm>
-            <a:off x="6217912" y="3362269"/>
-            <a:ext cx="2424722" cy="509836"/>
+            <a:off x="5403727" y="2081360"/>
+            <a:ext cx="2670692" cy="3241669"/>
           </a:xfrm>
           <a:prstGeom prst="rect">
             <a:avLst/>
@@ -4093,44 +4028,13 @@
           <a:lstStyle/>
           <a:p>
             <a:pPr algn="ctr"/>
-            <a:r>
-              <a:rPr lang="nl-NL" sz="1000" b="1" dirty="0">
-                <a:solidFill>
-                  <a:schemeClr val="tx1"/>
-                </a:solidFill>
-                <a:latin typeface="Menlo" panose="020B0609030804020204" pitchFamily="49" charset="0"/>
-              </a:rPr>
-              <a:t>De w</a:t>
-            </a:r>
-            <a:r>
-              <a:rPr lang="nl-NL" sz="1000" b="1" dirty="0">
-                <a:solidFill>
-                  <a:schemeClr val="tx1"/>
-                </a:solidFill>
-                <a:effectLst/>
-                <a:latin typeface="Menlo" panose="020B0609030804020204" pitchFamily="49" charset="0"/>
-              </a:rPr>
-              <a:t>oningwaarde per</a:t>
-            </a:r>
-            <a:r>
-              <a:rPr lang="nl-NL" sz="1000" b="1" dirty="0">
-                <a:solidFill>
-                  <a:schemeClr val="tx1"/>
-                </a:solidFill>
-                <a:latin typeface="Menlo" panose="020B0609030804020204" pitchFamily="49" charset="0"/>
-              </a:rPr>
-              <a:t> p</a:t>
-            </a:r>
-            <a:r>
-              <a:rPr lang="nl-NL" sz="1000" b="1" dirty="0">
-                <a:solidFill>
-                  <a:schemeClr val="tx1"/>
-                </a:solidFill>
-                <a:effectLst/>
-                <a:latin typeface="Menlo" panose="020B0609030804020204" pitchFamily="49" charset="0"/>
-              </a:rPr>
-              <a:t>rovincie</a:t>
-            </a:r>
+            <a:endParaRPr lang="nl-NL" sz="1000" b="1" dirty="0">
+              <a:solidFill>
+                <a:schemeClr val="tx1"/>
+              </a:solidFill>
+              <a:effectLst/>
+              <a:latin typeface="Menlo" panose="020B0609030804020204" pitchFamily="49" charset="0"/>
+            </a:endParaRPr>
           </a:p>
         </p:txBody>
       </p:sp>
@@ -4153,7 +4057,7 @@
         <p:spPr>
           <a:xfrm>
             <a:off x="4385782" y="2414263"/>
-            <a:ext cx="1832130" cy="1202924"/>
+            <a:ext cx="1017945" cy="1287932"/>
           </a:xfrm>
           <a:prstGeom prst="line">
             <a:avLst/>
@@ -4193,7 +4097,7 @@
         <p:spPr>
           <a:xfrm>
             <a:off x="4385782" y="3044424"/>
-            <a:ext cx="1832130" cy="572763"/>
+            <a:ext cx="1017945" cy="657771"/>
           </a:xfrm>
           <a:prstGeom prst="line">
             <a:avLst/>
@@ -4231,9 +4135,9 @@
           <p:nvPr/>
         </p:nvCxnSpPr>
         <p:spPr>
-          <a:xfrm flipV="1">
-            <a:off x="4399034" y="3617187"/>
-            <a:ext cx="1818878" cy="36270"/>
+          <a:xfrm>
+            <a:off x="4399034" y="3653457"/>
+            <a:ext cx="1004693" cy="48738"/>
           </a:xfrm>
           <a:prstGeom prst="line">
             <a:avLst/>
@@ -4272,8 +4176,8 @@
         </p:nvCxnSpPr>
         <p:spPr>
           <a:xfrm flipV="1">
-            <a:off x="4399860" y="3617187"/>
-            <a:ext cx="1818052" cy="675711"/>
+            <a:off x="4399860" y="3702195"/>
+            <a:ext cx="1003867" cy="590703"/>
           </a:xfrm>
           <a:prstGeom prst="line">
             <a:avLst/>
@@ -4312,8 +4216,8 @@
         </p:nvCxnSpPr>
         <p:spPr>
           <a:xfrm flipV="1">
-            <a:off x="4392408" y="3617187"/>
-            <a:ext cx="1825504" cy="1313989"/>
+            <a:off x="4392408" y="3702195"/>
+            <a:ext cx="1011319" cy="1228981"/>
           </a:xfrm>
           <a:prstGeom prst="line">
             <a:avLst/>
@@ -4348,8 +4252,8 @@
         </p:nvSpPr>
         <p:spPr>
           <a:xfrm>
-            <a:off x="9763784" y="3373778"/>
-            <a:ext cx="1478869" cy="498327"/>
+            <a:off x="9317736" y="2086361"/>
+            <a:ext cx="2318158" cy="3241669"/>
           </a:xfrm>
           <a:prstGeom prst="rect">
             <a:avLst/>
@@ -4386,15 +4290,6 @@
           <a:lstStyle/>
           <a:p>
             <a:pPr algn="ctr"/>
-            <a:r>
-              <a:rPr lang="nl-NL" sz="1000" b="1" dirty="0">
-                <a:solidFill>
-                  <a:schemeClr val="tx1"/>
-                </a:solidFill>
-                <a:latin typeface="Menlo" panose="020B0609030804020204" pitchFamily="49" charset="0"/>
-              </a:rPr>
-              <a:t>Gelderland</a:t>
-            </a:r>
             <a:endParaRPr lang="nl-NL" sz="1000" b="1" dirty="0">
               <a:solidFill>
                 <a:schemeClr val="tx1"/>
@@ -4423,8 +4318,8 @@
         </p:nvCxnSpPr>
         <p:spPr>
           <a:xfrm>
-            <a:off x="8642634" y="3617187"/>
-            <a:ext cx="1121150" cy="5755"/>
+            <a:off x="8074419" y="3702195"/>
+            <a:ext cx="1243317" cy="5001"/>
           </a:xfrm>
           <a:prstGeom prst="line">
             <a:avLst/>
@@ -4499,7 +4394,7 @@
         </p:nvSpPr>
         <p:spPr>
           <a:xfrm>
-            <a:off x="5971942" y="1631811"/>
+            <a:off x="5338714" y="1631811"/>
             <a:ext cx="2866820" cy="369332"/>
           </a:xfrm>
           <a:prstGeom prst="rect">
@@ -4556,11 +4451,246 @@
             <a:pPr algn="ctr"/>
             <a:r>
               <a:rPr lang="nl-NL" i="1" dirty="0"/>
-              <a:t>Modelling</a:t>
+              <a:t>Modellering</a:t>
             </a:r>
             <a:r>
               <a:rPr lang="nl-NL" dirty="0"/>
               <a:t> </a:t>
+            </a:r>
+          </a:p>
+        </p:txBody>
+      </p:sp>
+      <p:sp>
+        <p:nvSpPr>
+          <p:cNvPr id="3" name="Tekstvak 2">
+            <a:extLst>
+              <a:ext uri="{FF2B5EF4-FFF2-40B4-BE49-F238E27FC236}">
+                <a16:creationId xmlns:a16="http://schemas.microsoft.com/office/drawing/2014/main" id="{06A2D315-7FD5-B71F-E4B0-B9BB4139A200}"/>
+              </a:ext>
+            </a:extLst>
+          </p:cNvPr>
+          <p:cNvSpPr txBox="1"/>
+          <p:nvPr/>
+        </p:nvSpPr>
+        <p:spPr>
+          <a:xfrm>
+            <a:off x="5471254" y="2209979"/>
+            <a:ext cx="2657441" cy="3016210"/>
+          </a:xfrm>
+          <a:prstGeom prst="rect">
+            <a:avLst/>
+          </a:prstGeom>
+          <a:noFill/>
+        </p:spPr>
+        <p:txBody>
+          <a:bodyPr wrap="square" rtlCol="0">
+            <a:spAutoFit/>
+          </a:bodyPr>
+          <a:lstStyle/>
+          <a:p>
+            <a:pPr marL="285750" indent="-285750">
+              <a:buFont typeface="Arial" panose="020B0604020202020204" pitchFamily="34" charset="0"/>
+              <a:buChar char="•"/>
+            </a:pPr>
+            <a:r>
+              <a:rPr lang="nl-NL" sz="1000" i="1" dirty="0">
+                <a:latin typeface="Menlo" panose="020B0609030804020204" pitchFamily="49" charset="0"/>
+                <a:ea typeface="Menlo" panose="020B0609030804020204" pitchFamily="49" charset="0"/>
+                <a:cs typeface="Menlo" panose="020B0609030804020204" pitchFamily="49" charset="0"/>
+              </a:rPr>
+              <a:t>Interpolatie van jaar naar maandwaarden;</a:t>
+            </a:r>
+          </a:p>
+          <a:p>
+            <a:pPr marL="285750" indent="-285750">
+              <a:buFont typeface="Arial" panose="020B0604020202020204" pitchFamily="34" charset="0"/>
+              <a:buChar char="•"/>
+            </a:pPr>
+            <a:r>
+              <a:rPr lang="nl-NL" sz="1000" i="1" dirty="0">
+                <a:latin typeface="Menlo" panose="020B0609030804020204" pitchFamily="49" charset="0"/>
+                <a:ea typeface="Menlo" panose="020B0609030804020204" pitchFamily="49" charset="0"/>
+                <a:cs typeface="Menlo" panose="020B0609030804020204" pitchFamily="49" charset="0"/>
+              </a:rPr>
+              <a:t>Datasets samenvoegen tot main dataframe o.b.v. Key Maand-Jaar;</a:t>
+            </a:r>
+          </a:p>
+          <a:p>
+            <a:pPr marL="285750" indent="-285750">
+              <a:buFont typeface="Arial" panose="020B0604020202020204" pitchFamily="34" charset="0"/>
+              <a:buChar char="•"/>
+            </a:pPr>
+            <a:r>
+              <a:rPr lang="nl-NL" sz="1000" i="1" dirty="0">
+                <a:latin typeface="Menlo" panose="020B0609030804020204" pitchFamily="49" charset="0"/>
+                <a:ea typeface="Menlo" panose="020B0609030804020204" pitchFamily="49" charset="0"/>
+                <a:cs typeface="Menlo" panose="020B0609030804020204" pitchFamily="49" charset="0"/>
+              </a:rPr>
+              <a:t>Het plotten van Correlatiematrix;</a:t>
+            </a:r>
+          </a:p>
+          <a:p>
+            <a:pPr marL="285750" indent="-285750">
+              <a:buFont typeface="Arial" panose="020B0604020202020204" pitchFamily="34" charset="0"/>
+              <a:buChar char="•"/>
+            </a:pPr>
+            <a:r>
+              <a:rPr lang="nl-NL" sz="1000" i="1" dirty="0">
+                <a:latin typeface="Menlo" panose="020B0609030804020204" pitchFamily="49" charset="0"/>
+                <a:ea typeface="Menlo" panose="020B0609030804020204" pitchFamily="49" charset="0"/>
+                <a:cs typeface="Menlo" panose="020B0609030804020204" pitchFamily="49" charset="0"/>
+              </a:rPr>
+              <a:t>Het normaliseren van dataframe met Min-Max functie;</a:t>
+            </a:r>
+          </a:p>
+          <a:p>
+            <a:pPr marL="285750" indent="-285750">
+              <a:buFont typeface="Arial" panose="020B0604020202020204" pitchFamily="34" charset="0"/>
+              <a:buChar char="•"/>
+            </a:pPr>
+            <a:r>
+              <a:rPr lang="nl-NL" sz="1000" i="1" dirty="0">
+                <a:latin typeface="Menlo" panose="020B0609030804020204" pitchFamily="49" charset="0"/>
+                <a:ea typeface="Menlo" panose="020B0609030804020204" pitchFamily="49" charset="0"/>
+                <a:cs typeface="Menlo" panose="020B0609030804020204" pitchFamily="49" charset="0"/>
+              </a:rPr>
+              <a:t>Het plotten van Boxplots (outlier detectie);</a:t>
+            </a:r>
+          </a:p>
+          <a:p>
+            <a:pPr marL="285750" indent="-285750">
+              <a:buFont typeface="Arial" panose="020B0604020202020204" pitchFamily="34" charset="0"/>
+              <a:buChar char="•"/>
+            </a:pPr>
+            <a:r>
+              <a:rPr lang="nl-NL" sz="1000" i="1" dirty="0">
+                <a:latin typeface="Menlo" panose="020B0609030804020204" pitchFamily="49" charset="0"/>
+                <a:ea typeface="Menlo" panose="020B0609030804020204" pitchFamily="49" charset="0"/>
+                <a:cs typeface="Menlo" panose="020B0609030804020204" pitchFamily="49" charset="0"/>
+              </a:rPr>
+              <a:t>Visualisatie van de variabelen in lijngrafiek en staafdiagram;</a:t>
+            </a:r>
+          </a:p>
+          <a:p>
+            <a:pPr marL="285750" indent="-285750">
+              <a:buFont typeface="Arial" panose="020B0604020202020204" pitchFamily="34" charset="0"/>
+              <a:buChar char="•"/>
+            </a:pPr>
+            <a:r>
+              <a:rPr lang="nl-NL" sz="1000" i="1" dirty="0">
+                <a:latin typeface="Menlo" panose="020B0609030804020204" pitchFamily="49" charset="0"/>
+                <a:ea typeface="Menlo" panose="020B0609030804020204" pitchFamily="49" charset="0"/>
+                <a:cs typeface="Menlo" panose="020B0609030804020204" pitchFamily="49" charset="0"/>
+              </a:rPr>
+              <a:t>Het in kaart brengen van multicollineariteit tussen de variabelen. </a:t>
+            </a:r>
+          </a:p>
+          <a:p>
+            <a:pPr marL="285750" indent="-285750">
+              <a:buFont typeface="Arial" panose="020B0604020202020204" pitchFamily="34" charset="0"/>
+              <a:buChar char="•"/>
+            </a:pPr>
+            <a:endParaRPr lang="nl-NL" sz="1000" i="1" dirty="0">
+              <a:latin typeface="Menlo" panose="020B0609030804020204" pitchFamily="49" charset="0"/>
+              <a:ea typeface="Menlo" panose="020B0609030804020204" pitchFamily="49" charset="0"/>
+              <a:cs typeface="Menlo" panose="020B0609030804020204" pitchFamily="49" charset="0"/>
+            </a:endParaRPr>
+          </a:p>
+        </p:txBody>
+      </p:sp>
+      <p:sp>
+        <p:nvSpPr>
+          <p:cNvPr id="24" name="Tekstvak 23">
+            <a:extLst>
+              <a:ext uri="{FF2B5EF4-FFF2-40B4-BE49-F238E27FC236}">
+                <a16:creationId xmlns:a16="http://schemas.microsoft.com/office/drawing/2014/main" id="{086D0098-D4FB-A43F-ABCA-0E68D2653868}"/>
+              </a:ext>
+            </a:extLst>
+          </p:cNvPr>
+          <p:cNvSpPr txBox="1"/>
+          <p:nvPr/>
+        </p:nvSpPr>
+        <p:spPr>
+          <a:xfrm>
+            <a:off x="9444734" y="2666820"/>
+            <a:ext cx="2318158" cy="553998"/>
+          </a:xfrm>
+          <a:prstGeom prst="rect">
+            <a:avLst/>
+          </a:prstGeom>
+          <a:noFill/>
+        </p:spPr>
+        <p:txBody>
+          <a:bodyPr wrap="square" rtlCol="0">
+            <a:spAutoFit/>
+          </a:bodyPr>
+          <a:lstStyle/>
+          <a:p>
+            <a:pPr marL="285750" indent="-285750">
+              <a:buFont typeface="Arial" panose="020B0604020202020204" pitchFamily="34" charset="0"/>
+              <a:buChar char="•"/>
+            </a:pPr>
+            <a:r>
+              <a:rPr lang="nl-NL" sz="1000" i="1" dirty="0">
+                <a:latin typeface="Menlo" panose="020B0609030804020204" pitchFamily="49" charset="0"/>
+                <a:ea typeface="Menlo" panose="020B0609030804020204" pitchFamily="49" charset="0"/>
+                <a:cs typeface="Menlo" panose="020B0609030804020204" pitchFamily="49" charset="0"/>
+              </a:rPr>
+              <a:t>Het Random Forrest Regressor;</a:t>
+            </a:r>
+          </a:p>
+          <a:p>
+            <a:pPr marL="285750" indent="-285750">
+              <a:buFont typeface="Arial" panose="020B0604020202020204" pitchFamily="34" charset="0"/>
+              <a:buChar char="•"/>
+            </a:pPr>
+            <a:r>
+              <a:rPr lang="nl-NL" sz="1000" i="1" dirty="0">
+                <a:latin typeface="Menlo" panose="020B0609030804020204" pitchFamily="49" charset="0"/>
+                <a:ea typeface="Menlo" panose="020B0609030804020204" pitchFamily="49" charset="0"/>
+                <a:cs typeface="Menlo" panose="020B0609030804020204" pitchFamily="49" charset="0"/>
+              </a:rPr>
+              <a:t>Het ARIMAX-model.</a:t>
+            </a:r>
+          </a:p>
+        </p:txBody>
+      </p:sp>
+      <p:sp>
+        <p:nvSpPr>
+          <p:cNvPr id="58" name="Tekstvak 57">
+            <a:extLst>
+              <a:ext uri="{FF2B5EF4-FFF2-40B4-BE49-F238E27FC236}">
+                <a16:creationId xmlns:a16="http://schemas.microsoft.com/office/drawing/2014/main" id="{CEFFAFD1-313D-C642-9300-4E332C5947CA}"/>
+              </a:ext>
+            </a:extLst>
+          </p:cNvPr>
+          <p:cNvSpPr txBox="1"/>
+          <p:nvPr/>
+        </p:nvSpPr>
+        <p:spPr>
+          <a:xfrm>
+            <a:off x="9518105" y="2161706"/>
+            <a:ext cx="1876747" cy="400110"/>
+          </a:xfrm>
+          <a:prstGeom prst="rect">
+            <a:avLst/>
+          </a:prstGeom>
+          <a:noFill/>
+        </p:spPr>
+        <p:txBody>
+          <a:bodyPr wrap="square" rtlCol="0">
+            <a:spAutoFit/>
+          </a:bodyPr>
+          <a:lstStyle/>
+          <a:p>
+            <a:pPr algn="ctr"/>
+            <a:r>
+              <a:rPr lang="nl-NL" sz="1000" b="1" i="1" dirty="0">
+                <a:latin typeface="Menlo" panose="020B0609030804020204" pitchFamily="49" charset="0"/>
+                <a:ea typeface="Menlo" panose="020B0609030804020204" pitchFamily="49" charset="0"/>
+                <a:cs typeface="Menlo" panose="020B0609030804020204" pitchFamily="49" charset="0"/>
+              </a:rPr>
+              <a:t>Gemiddelde huisprijs in Gelderland</a:t>
             </a:r>
           </a:p>
         </p:txBody>

--- a/Het onderzoekmodel.pptx
+++ b/Het onderzoekmodel.pptx
@@ -4582,7 +4582,7 @@
                 <a:ea typeface="Menlo" panose="020B0609030804020204" pitchFamily="49" charset="0"/>
                 <a:cs typeface="Menlo" panose="020B0609030804020204" pitchFamily="49" charset="0"/>
               </a:rPr>
-              <a:t>Het in kaart brengen van multicollineariteit tussen de variabelen. </a:t>
+              <a:t>Het in kaart brengen van multicollineariteit tussen de variabelen onderling. </a:t>
             </a:r>
           </a:p>
           <a:p>
@@ -4612,7 +4612,7 @@
         </p:nvSpPr>
         <p:spPr>
           <a:xfrm>
-            <a:off x="9444734" y="2666820"/>
+            <a:off x="9444734" y="2968666"/>
             <a:ext cx="2318158" cy="553998"/>
           </a:xfrm>
           <a:prstGeom prst="rect">
@@ -4670,7 +4670,7 @@
         <p:spPr>
           <a:xfrm>
             <a:off x="9518105" y="2161706"/>
-            <a:ext cx="1876747" cy="400110"/>
+            <a:ext cx="1876747" cy="707886"/>
           </a:xfrm>
           <a:prstGeom prst="rect">
             <a:avLst/>
@@ -4690,7 +4690,26 @@
                 <a:ea typeface="Menlo" panose="020B0609030804020204" pitchFamily="49" charset="0"/>
                 <a:cs typeface="Menlo" panose="020B0609030804020204" pitchFamily="49" charset="0"/>
               </a:rPr>
-              <a:t>Gemiddelde huisprijs in Gelderland</a:t>
+              <a:t>Voorspelling:</a:t>
+            </a:r>
+          </a:p>
+          <a:p>
+            <a:pPr algn="ctr"/>
+            <a:r>
+              <a:rPr lang="nl-NL" sz="1000" b="1" i="1" dirty="0">
+                <a:latin typeface="Menlo" panose="020B0609030804020204" pitchFamily="49" charset="0"/>
+                <a:ea typeface="Menlo" panose="020B0609030804020204" pitchFamily="49" charset="0"/>
+                <a:cs typeface="Menlo" panose="020B0609030804020204" pitchFamily="49" charset="0"/>
+              </a:rPr>
+              <a:t> </a:t>
+            </a:r>
+            <a:r>
+              <a:rPr lang="nl-NL" sz="1000" i="1" dirty="0">
+                <a:latin typeface="Menlo" panose="020B0609030804020204" pitchFamily="49" charset="0"/>
+                <a:ea typeface="Menlo" panose="020B0609030804020204" pitchFamily="49" charset="0"/>
+                <a:cs typeface="Menlo" panose="020B0609030804020204" pitchFamily="49" charset="0"/>
+              </a:rPr>
+              <a:t>Gemiddelde maandelijkse huisprijs in Gelderland</a:t>
             </a:r>
           </a:p>
         </p:txBody>

--- a/Het onderzoekmodel.pptx
+++ b/Het onderzoekmodel.pptx
@@ -4612,7 +4612,7 @@
         </p:nvSpPr>
         <p:spPr>
           <a:xfrm>
-            <a:off x="9444734" y="2968666"/>
+            <a:off x="9444734" y="3058229"/>
             <a:ext cx="2318158" cy="553998"/>
           </a:xfrm>
           <a:prstGeom prst="rect">
@@ -4670,7 +4670,7 @@
         <p:spPr>
           <a:xfrm>
             <a:off x="9518105" y="2161706"/>
-            <a:ext cx="1876747" cy="707886"/>
+            <a:ext cx="1876747" cy="861774"/>
           </a:xfrm>
           <a:prstGeom prst="rect">
             <a:avLst/>
@@ -4709,7 +4709,7 @@
                 <a:ea typeface="Menlo" panose="020B0609030804020204" pitchFamily="49" charset="0"/>
                 <a:cs typeface="Menlo" panose="020B0609030804020204" pitchFamily="49" charset="0"/>
               </a:rPr>
-              <a:t>Gemiddelde maandelijkse huisprijs in Gelderland</a:t>
+              <a:t>Gemiddelde maandelijkse woningwaarde in Gelderland</a:t>
             </a:r>
           </a:p>
         </p:txBody>

--- a/Het onderzoekmodel.pptx
+++ b/Het onderzoekmodel.pptx
@@ -4370,8 +4370,8 @@
           <a:p>
             <a:pPr algn="ctr"/>
             <a:r>
-              <a:rPr lang="nl-NL" i="1" dirty="0"/>
-              <a:t>Data-aggregatie</a:t>
+              <a:rPr lang="nl-NL" i="1" dirty="0" err="1"/>
+              <a:t>Data-mining</a:t>
             </a:r>
             <a:r>
               <a:rPr lang="nl-NL" dirty="0"/>

--- a/Het onderzoekmodel.pptx
+++ b/Het onderzoekmodel.pptx
@@ -259,7 +259,7 @@
           <a:p>
             <a:fld id="{17F9A710-B3EA-4444-9597-D4B70E9AD9E1}" type="datetimeFigureOut">
               <a:rPr lang="nl-NL" smtClean="0"/>
-              <a:t>18-06-2023</a:t>
+              <a:t>19-06-2023</a:t>
             </a:fld>
             <a:endParaRPr lang="nl-NL"/>
           </a:p>
@@ -457,7 +457,7 @@
           <a:p>
             <a:fld id="{17F9A710-B3EA-4444-9597-D4B70E9AD9E1}" type="datetimeFigureOut">
               <a:rPr lang="nl-NL" smtClean="0"/>
-              <a:t>18-06-2023</a:t>
+              <a:t>19-06-2023</a:t>
             </a:fld>
             <a:endParaRPr lang="nl-NL"/>
           </a:p>
@@ -665,7 +665,7 @@
           <a:p>
             <a:fld id="{17F9A710-B3EA-4444-9597-D4B70E9AD9E1}" type="datetimeFigureOut">
               <a:rPr lang="nl-NL" smtClean="0"/>
-              <a:t>18-06-2023</a:t>
+              <a:t>19-06-2023</a:t>
             </a:fld>
             <a:endParaRPr lang="nl-NL"/>
           </a:p>
@@ -863,7 +863,7 @@
           <a:p>
             <a:fld id="{17F9A710-B3EA-4444-9597-D4B70E9AD9E1}" type="datetimeFigureOut">
               <a:rPr lang="nl-NL" smtClean="0"/>
-              <a:t>18-06-2023</a:t>
+              <a:t>19-06-2023</a:t>
             </a:fld>
             <a:endParaRPr lang="nl-NL"/>
           </a:p>
@@ -1138,7 +1138,7 @@
           <a:p>
             <a:fld id="{17F9A710-B3EA-4444-9597-D4B70E9AD9E1}" type="datetimeFigureOut">
               <a:rPr lang="nl-NL" smtClean="0"/>
-              <a:t>18-06-2023</a:t>
+              <a:t>19-06-2023</a:t>
             </a:fld>
             <a:endParaRPr lang="nl-NL"/>
           </a:p>
@@ -1403,7 +1403,7 @@
           <a:p>
             <a:fld id="{17F9A710-B3EA-4444-9597-D4B70E9AD9E1}" type="datetimeFigureOut">
               <a:rPr lang="nl-NL" smtClean="0"/>
-              <a:t>18-06-2023</a:t>
+              <a:t>19-06-2023</a:t>
             </a:fld>
             <a:endParaRPr lang="nl-NL"/>
           </a:p>
@@ -1815,7 +1815,7 @@
           <a:p>
             <a:fld id="{17F9A710-B3EA-4444-9597-D4B70E9AD9E1}" type="datetimeFigureOut">
               <a:rPr lang="nl-NL" smtClean="0"/>
-              <a:t>18-06-2023</a:t>
+              <a:t>19-06-2023</a:t>
             </a:fld>
             <a:endParaRPr lang="nl-NL"/>
           </a:p>
@@ -1956,7 +1956,7 @@
           <a:p>
             <a:fld id="{17F9A710-B3EA-4444-9597-D4B70E9AD9E1}" type="datetimeFigureOut">
               <a:rPr lang="nl-NL" smtClean="0"/>
-              <a:t>18-06-2023</a:t>
+              <a:t>19-06-2023</a:t>
             </a:fld>
             <a:endParaRPr lang="nl-NL"/>
           </a:p>
@@ -2069,7 +2069,7 @@
           <a:p>
             <a:fld id="{17F9A710-B3EA-4444-9597-D4B70E9AD9E1}" type="datetimeFigureOut">
               <a:rPr lang="nl-NL" smtClean="0"/>
-              <a:t>18-06-2023</a:t>
+              <a:t>19-06-2023</a:t>
             </a:fld>
             <a:endParaRPr lang="nl-NL"/>
           </a:p>
@@ -2380,7 +2380,7 @@
           <a:p>
             <a:fld id="{17F9A710-B3EA-4444-9597-D4B70E9AD9E1}" type="datetimeFigureOut">
               <a:rPr lang="nl-NL" smtClean="0"/>
-              <a:t>18-06-2023</a:t>
+              <a:t>19-06-2023</a:t>
             </a:fld>
             <a:endParaRPr lang="nl-NL"/>
           </a:p>
@@ -2668,7 +2668,7 @@
           <a:p>
             <a:fld id="{17F9A710-B3EA-4444-9597-D4B70E9AD9E1}" type="datetimeFigureOut">
               <a:rPr lang="nl-NL" smtClean="0"/>
-              <a:t>18-06-2023</a:t>
+              <a:t>19-06-2023</a:t>
             </a:fld>
             <a:endParaRPr lang="nl-NL"/>
           </a:p>
@@ -2909,7 +2909,7 @@
           <a:p>
             <a:fld id="{17F9A710-B3EA-4444-9597-D4B70E9AD9E1}" type="datetimeFigureOut">
               <a:rPr lang="nl-NL" smtClean="0"/>
-              <a:t>18-06-2023</a:t>
+              <a:t>19-06-2023</a:t>
             </a:fld>
             <a:endParaRPr lang="nl-NL"/>
           </a:p>
@@ -3340,7 +3340,7 @@
         </p:nvSpPr>
         <p:spPr>
           <a:xfrm>
-            <a:off x="9023069" y="1530625"/>
+            <a:off x="8918990" y="1530625"/>
             <a:ext cx="2866820" cy="4028661"/>
           </a:xfrm>
           <a:prstGeom prst="rect">
@@ -4252,7 +4252,7 @@
         </p:nvSpPr>
         <p:spPr>
           <a:xfrm>
-            <a:off x="9317736" y="2086361"/>
+            <a:off x="9213657" y="2086361"/>
             <a:ext cx="2318158" cy="3241669"/>
           </a:xfrm>
           <a:prstGeom prst="rect">
@@ -4319,7 +4319,7 @@
         <p:spPr>
           <a:xfrm>
             <a:off x="8074419" y="3702195"/>
-            <a:ext cx="1243317" cy="5001"/>
+            <a:ext cx="1139238" cy="5001"/>
           </a:xfrm>
           <a:prstGeom prst="line">
             <a:avLst/>
@@ -4370,8 +4370,8 @@
           <a:p>
             <a:pPr algn="ctr"/>
             <a:r>
-              <a:rPr lang="nl-NL" i="1" dirty="0" err="1"/>
-              <a:t>Data-mining</a:t>
+              <a:rPr lang="nl-NL" i="1" dirty="0"/>
+              <a:t>Datamining</a:t>
             </a:r>
             <a:r>
               <a:rPr lang="nl-NL" dirty="0"/>
@@ -4411,7 +4411,7 @@
             <a:pPr algn="ctr"/>
             <a:r>
               <a:rPr lang="nl-NL" i="1" dirty="0"/>
-              <a:t>Data-preparatie</a:t>
+              <a:t>Datapreparatie</a:t>
             </a:r>
             <a:r>
               <a:rPr lang="nl-NL" dirty="0"/>
@@ -4612,7 +4612,7 @@
         </p:nvSpPr>
         <p:spPr>
           <a:xfrm>
-            <a:off x="9444734" y="3058229"/>
+            <a:off x="9340655" y="3058229"/>
             <a:ext cx="2318158" cy="553998"/>
           </a:xfrm>
           <a:prstGeom prst="rect">
@@ -4669,7 +4669,7 @@
         </p:nvSpPr>
         <p:spPr>
           <a:xfrm>
-            <a:off x="9518105" y="2161706"/>
+            <a:off x="9414026" y="2161706"/>
             <a:ext cx="1876747" cy="861774"/>
           </a:xfrm>
           <a:prstGeom prst="rect">
